--- a/Tarea3/Presentación_Arquitectura_en_Capas.pptx
+++ b/Tarea3/Presentación_Arquitectura_en_Capas.pptx
@@ -139,12 +139,45 @@
 <p1510:revInfo xmlns:a="http://schemas.openxmlformats.org/drawingml/2006/main" xmlns:r="http://schemas.openxmlformats.org/officeDocument/2006/relationships" xmlns:p1510="http://schemas.microsoft.com/office/powerpoint/2015/10/main">
   <p1510:revLst>
     <p1510:client id="{7E89C0F6-13E1-4663-B53F-ED43BA018CB7}" v="10" dt="2023-05-05T19:12:46.388"/>
+    <p1510:client id="{FAE0951D-0656-79AC-D501-5783BD9DDAF1}" v="29" dt="2023-05-09T23:05:34.365"/>
   </p1510:revLst>
 </p1510:revInfo>
 </file>
 
 <file path=ppt/changesInfos/changesInfo1.xml><?xml version="1.0" encoding="utf-8"?>
 <pc:chgInfo xmlns:a="http://schemas.openxmlformats.org/drawingml/2006/main" xmlns:r="http://schemas.openxmlformats.org/officeDocument/2006/relationships" xmlns:ac="http://schemas.microsoft.com/office/drawing/2013/main/command" xmlns:pc="http://schemas.microsoft.com/office/powerpoint/2013/main/command">
+  <pc:docChgLst>
+    <pc:chgData name="Guest User" userId="S::urn:spo:anon#5643ec5a469ed42c5eed15e283f6c199364f55f8f02f153b62300cc3e48c03e8::" providerId="AD" clId="Web-{FAE0951D-0656-79AC-D501-5783BD9DDAF1}"/>
+    <pc:docChg chg="modSld">
+      <pc:chgData name="Guest User" userId="S::urn:spo:anon#5643ec5a469ed42c5eed15e283f6c199364f55f8f02f153b62300cc3e48c03e8::" providerId="AD" clId="Web-{FAE0951D-0656-79AC-D501-5783BD9DDAF1}" dt="2023-05-09T23:05:34.365" v="30" actId="1076"/>
+      <pc:docMkLst>
+        <pc:docMk/>
+      </pc:docMkLst>
+      <pc:sldChg chg="modSp">
+        <pc:chgData name="Guest User" userId="S::urn:spo:anon#5643ec5a469ed42c5eed15e283f6c199364f55f8f02f153b62300cc3e48c03e8::" providerId="AD" clId="Web-{FAE0951D-0656-79AC-D501-5783BD9DDAF1}" dt="2023-05-09T23:05:34.365" v="30" actId="1076"/>
+        <pc:sldMkLst>
+          <pc:docMk/>
+          <pc:sldMk cId="4167884232" sldId="278"/>
+        </pc:sldMkLst>
+        <pc:spChg chg="mod">
+          <ac:chgData name="Guest User" userId="S::urn:spo:anon#5643ec5a469ed42c5eed15e283f6c199364f55f8f02f153b62300cc3e48c03e8::" providerId="AD" clId="Web-{FAE0951D-0656-79AC-D501-5783BD9DDAF1}" dt="2023-05-09T23:05:26.239" v="29" actId="20577"/>
+          <ac:spMkLst>
+            <pc:docMk/>
+            <pc:sldMk cId="4167884232" sldId="278"/>
+            <ac:spMk id="3" creationId="{DB93FB3F-A8D4-46D3-A1C6-C79C64563729}"/>
+          </ac:spMkLst>
+        </pc:spChg>
+        <pc:picChg chg="mod">
+          <ac:chgData name="Guest User" userId="S::urn:spo:anon#5643ec5a469ed42c5eed15e283f6c199364f55f8f02f153b62300cc3e48c03e8::" providerId="AD" clId="Web-{FAE0951D-0656-79AC-D501-5783BD9DDAF1}" dt="2023-05-09T23:05:34.365" v="30" actId="1076"/>
+          <ac:picMkLst>
+            <pc:docMk/>
+            <pc:sldMk cId="4167884232" sldId="278"/>
+            <ac:picMk id="5" creationId="{F8A1C807-B9AD-4C9B-BF9F-60F03428998E}"/>
+          </ac:picMkLst>
+        </pc:picChg>
+      </pc:sldChg>
+    </pc:docChg>
+  </pc:docChgLst>
   <pc:docChgLst>
     <pc:chgData name="Jose Joaquin Campos Chaves" userId="a909fcb3-b927-483c-b135-103542b0f4d6" providerId="ADAL" clId="{7E89C0F6-13E1-4663-B53F-ED43BA018CB7}"/>
     <pc:docChg chg="undo custSel addSld delSld modSld">
@@ -890,7 +923,7 @@
           <a:p>
             <a:fld id="{456FB012-E420-4B95-AE63-A8D98F1E9FF8}" type="datetime1">
               <a:rPr lang="es-ES" smtClean="0"/>
-              <a:t>05/05/2023</a:t>
+              <a:t>09/05/2023</a:t>
             </a:fld>
             <a:endParaRPr lang="es-ES" dirty="0"/>
           </a:p>
@@ -956,7 +989,7 @@
           <a:p>
             <a:fld id="{77483E88-2765-4140-A04D-8B1D491FFF40}" type="slidenum">
               <a:rPr lang="es-ES" smtClean="0"/>
-              <a:t>‹Nº›</a:t>
+              <a:t>‹#›</a:t>
             </a:fld>
             <a:endParaRPr lang="es-ES" dirty="0"/>
           </a:p>
@@ -1058,7 +1091,7 @@
             <a:pPr rtl="0"/>
             <a:fld id="{2BEC11F6-780B-4A70-BC74-0ABACE79CAA5}" type="datetime1">
               <a:rPr lang="es-ES" noProof="0" smtClean="0"/>
-              <a:t>05/05/2023</a:t>
+              <a:t>09/05/2023</a:t>
             </a:fld>
             <a:endParaRPr lang="es-ES" noProof="0" dirty="0"/>
           </a:p>
@@ -1219,7 +1252,7 @@
             <a:pPr rtl="0"/>
             <a:fld id="{2E6DE88F-1F85-4A27-9D34-D74A50E7B0DA}" type="slidenum">
               <a:rPr lang="es-ES" noProof="0" smtClean="0"/>
-              <a:t>‹Nº›</a:t>
+              <a:t>‹#›</a:t>
             </a:fld>
             <a:endParaRPr lang="es-ES" noProof="0" dirty="0"/>
           </a:p>
@@ -3632,7 +3665,7 @@
             <a:pPr rtl="0"/>
             <a:fld id="{931C7952-479D-4D4B-8F19-C6026F510D9E}" type="datetime1">
               <a:rPr lang="es-ES" noProof="0" smtClean="0"/>
-              <a:t>05/05/2023</a:t>
+              <a:t>09/05/2023</a:t>
             </a:fld>
             <a:endParaRPr lang="es-ES" noProof="0" dirty="0"/>
           </a:p>
@@ -3677,7 +3710,7 @@
             <a:fld id="{3A98EE3D-8CD1-4C3F-BD1C-C98C9596463C}" type="slidenum">
               <a:rPr lang="es-ES" noProof="0" smtClean="0"/>
               <a:pPr rtl="0"/>
-              <a:t>‹Nº›</a:t>
+              <a:t>‹#›</a:t>
             </a:fld>
             <a:endParaRPr lang="es-ES" noProof="0" dirty="0"/>
           </a:p>
@@ -3942,7 +3975,7 @@
             <a:pPr rtl="0"/>
             <a:fld id="{74758912-430E-46D1-BA95-7CF218A879F9}" type="datetime1">
               <a:rPr lang="es-ES" noProof="0" smtClean="0"/>
-              <a:t>05/05/2023</a:t>
+              <a:t>09/05/2023</a:t>
             </a:fld>
             <a:endParaRPr lang="es-ES" noProof="0" dirty="0"/>
           </a:p>
@@ -3986,7 +4019,7 @@
             <a:pPr rtl="0"/>
             <a:fld id="{3A98EE3D-8CD1-4C3F-BD1C-C98C9596463C}" type="slidenum">
               <a:rPr lang="es-ES" noProof="0" smtClean="0"/>
-              <a:t>‹Nº›</a:t>
+              <a:t>‹#›</a:t>
             </a:fld>
             <a:endParaRPr lang="es-ES" noProof="0" dirty="0"/>
           </a:p>
@@ -4140,7 +4173,7 @@
             <a:pPr rtl="0"/>
             <a:fld id="{83D604E1-623C-4365-B688-201238FB20C0}" type="datetime1">
               <a:rPr lang="es-ES" noProof="0" smtClean="0"/>
-              <a:t>05/05/2023</a:t>
+              <a:t>09/05/2023</a:t>
             </a:fld>
             <a:endParaRPr lang="es-ES" noProof="0" dirty="0"/>
           </a:p>
@@ -4184,7 +4217,7 @@
             <a:pPr rtl="0"/>
             <a:fld id="{3A98EE3D-8CD1-4C3F-BD1C-C98C9596463C}" type="slidenum">
               <a:rPr lang="es-ES" noProof="0" smtClean="0"/>
-              <a:t>‹Nº›</a:t>
+              <a:t>‹#›</a:t>
             </a:fld>
             <a:endParaRPr lang="es-ES" noProof="0" dirty="0"/>
           </a:p>
@@ -4407,7 +4440,7 @@
             <a:pPr rtl="0"/>
             <a:fld id="{86ADFC75-E87D-46C2-9102-15C11F0259DB}" type="datetime1">
               <a:rPr lang="es-ES" noProof="0" smtClean="0"/>
-              <a:t>05/05/2023</a:t>
+              <a:t>09/05/2023</a:t>
             </a:fld>
             <a:endParaRPr lang="es-ES" noProof="0" dirty="0"/>
           </a:p>
@@ -4451,7 +4484,7 @@
             <a:pPr rtl="0"/>
             <a:fld id="{3A98EE3D-8CD1-4C3F-BD1C-C98C9596463C}" type="slidenum">
               <a:rPr lang="es-ES" noProof="0" smtClean="0"/>
-              <a:t>‹Nº›</a:t>
+              <a:t>‹#›</a:t>
             </a:fld>
             <a:endParaRPr lang="es-ES" noProof="0" dirty="0"/>
           </a:p>
@@ -4847,7 +4880,7 @@
             <a:pPr rtl="0"/>
             <a:fld id="{12E54EC6-1219-49EE-8B80-3C24DE8E5A44}" type="datetime1">
               <a:rPr lang="es-ES" noProof="0" smtClean="0"/>
-              <a:t>05/05/2023</a:t>
+              <a:t>09/05/2023</a:t>
             </a:fld>
             <a:endParaRPr lang="es-ES" noProof="0" dirty="0"/>
           </a:p>
@@ -4891,7 +4924,7 @@
             <a:pPr rtl="0"/>
             <a:fld id="{3A98EE3D-8CD1-4C3F-BD1C-C98C9596463C}" type="slidenum">
               <a:rPr lang="es-ES" noProof="0" smtClean="0"/>
-              <a:t>‹Nº›</a:t>
+              <a:t>‹#›</a:t>
             </a:fld>
             <a:endParaRPr lang="es-ES" noProof="0" dirty="0"/>
           </a:p>
@@ -5388,7 +5421,7 @@
             <a:pPr rtl="0"/>
             <a:fld id="{B94DCC15-8F35-48A3-948F-896E04D77AE9}" type="datetime1">
               <a:rPr lang="es-ES" noProof="0" smtClean="0"/>
-              <a:t>05/05/2023</a:t>
+              <a:t>09/05/2023</a:t>
             </a:fld>
             <a:endParaRPr lang="es-ES" noProof="0" dirty="0"/>
           </a:p>
@@ -5432,7 +5465,7 @@
             <a:pPr rtl="0"/>
             <a:fld id="{3A98EE3D-8CD1-4C3F-BD1C-C98C9596463C}" type="slidenum">
               <a:rPr lang="es-ES" noProof="0" smtClean="0"/>
-              <a:t>‹Nº›</a:t>
+              <a:t>‹#›</a:t>
             </a:fld>
             <a:endParaRPr lang="es-ES" noProof="0" dirty="0"/>
           </a:p>
@@ -6277,7 +6310,7 @@
             <a:pPr rtl="0"/>
             <a:fld id="{3776F276-4198-468B-A622-B7B7E3766911}" type="datetime1">
               <a:rPr lang="es-ES" noProof="0" smtClean="0"/>
-              <a:t>05/05/2023</a:t>
+              <a:t>09/05/2023</a:t>
             </a:fld>
             <a:endParaRPr lang="es-ES" noProof="0" dirty="0"/>
           </a:p>
@@ -6321,7 +6354,7 @@
             <a:pPr rtl="0"/>
             <a:fld id="{3A98EE3D-8CD1-4C3F-BD1C-C98C9596463C}" type="slidenum">
               <a:rPr lang="es-ES" noProof="0" smtClean="0"/>
-              <a:t>‹Nº›</a:t>
+              <a:t>‹#›</a:t>
             </a:fld>
             <a:endParaRPr lang="es-ES" noProof="0" dirty="0"/>
           </a:p>
@@ -6451,7 +6484,7 @@
             <a:pPr rtl="0"/>
             <a:fld id="{FD5F9175-B10B-4641-995C-12E45A3F36CD}" type="datetime1">
               <a:rPr lang="es-ES" noProof="0" smtClean="0"/>
-              <a:t>05/05/2023</a:t>
+              <a:t>09/05/2023</a:t>
             </a:fld>
             <a:endParaRPr lang="es-ES" noProof="0" dirty="0"/>
           </a:p>
@@ -6495,7 +6528,7 @@
             <a:pPr rtl="0"/>
             <a:fld id="{3A98EE3D-8CD1-4C3F-BD1C-C98C9596463C}" type="slidenum">
               <a:rPr lang="es-ES" noProof="0" smtClean="0"/>
-              <a:t>‹Nº›</a:t>
+              <a:t>‹#›</a:t>
             </a:fld>
             <a:endParaRPr lang="es-ES" noProof="0" dirty="0"/>
           </a:p>
@@ -6699,7 +6732,7 @@
             <a:pPr rtl="0"/>
             <a:fld id="{84CEA549-D5CD-4EAF-92DD-F120BAE2B00B}" type="datetime1">
               <a:rPr lang="es-ES" noProof="0" smtClean="0"/>
-              <a:t>05/05/2023</a:t>
+              <a:t>09/05/2023</a:t>
             </a:fld>
             <a:endParaRPr lang="es-ES" noProof="0" dirty="0"/>
           </a:p>
@@ -6744,7 +6777,7 @@
             <a:fld id="{3A98EE3D-8CD1-4C3F-BD1C-C98C9596463C}" type="slidenum">
               <a:rPr lang="es-ES" noProof="0" smtClean="0"/>
               <a:pPr rtl="0"/>
-              <a:t>‹Nº›</a:t>
+              <a:t>‹#›</a:t>
             </a:fld>
             <a:endParaRPr lang="es-ES" noProof="0" dirty="0"/>
           </a:p>
@@ -6945,7 +6978,7 @@
             <a:pPr rtl="0"/>
             <a:fld id="{709D2F8E-7231-4034-8D2D-3DE6DA3442B3}" type="datetime1">
               <a:rPr lang="es-ES" noProof="0" smtClean="0"/>
-              <a:t>05/05/2023</a:t>
+              <a:t>09/05/2023</a:t>
             </a:fld>
             <a:endParaRPr lang="es-ES" noProof="0" dirty="0"/>
           </a:p>
@@ -6989,7 +7022,7 @@
             <a:pPr rtl="0"/>
             <a:fld id="{3A98EE3D-8CD1-4C3F-BD1C-C98C9596463C}" type="slidenum">
               <a:rPr lang="es-ES" noProof="0" smtClean="0"/>
-              <a:t>‹Nº›</a:t>
+              <a:t>‹#›</a:t>
             </a:fld>
             <a:endParaRPr lang="es-ES" noProof="0" dirty="0"/>
           </a:p>
@@ -7432,7 +7465,7 @@
             <a:pPr rtl="0"/>
             <a:fld id="{39E704EA-5CB1-494A-9524-E0FAE6BBE6C4}" type="datetime1">
               <a:rPr lang="es-ES" noProof="0" smtClean="0"/>
-              <a:t>05/05/2023</a:t>
+              <a:t>09/05/2023</a:t>
             </a:fld>
             <a:endParaRPr lang="es-ES" noProof="0" dirty="0"/>
           </a:p>
@@ -7476,7 +7509,7 @@
             <a:pPr rtl="0"/>
             <a:fld id="{3A98EE3D-8CD1-4C3F-BD1C-C98C9596463C}" type="slidenum">
               <a:rPr lang="es-ES" noProof="0" smtClean="0"/>
-              <a:t>‹Nº›</a:t>
+              <a:t>‹#›</a:t>
             </a:fld>
             <a:endParaRPr lang="es-ES" noProof="0" dirty="0"/>
           </a:p>
@@ -7554,7 +7587,7 @@
             <a:pPr rtl="0"/>
             <a:fld id="{EE842E49-C804-4EEC-9941-A438EC0B005D}" type="datetime1">
               <a:rPr lang="es-ES" noProof="0" smtClean="0"/>
-              <a:t>05/05/2023</a:t>
+              <a:t>09/05/2023</a:t>
             </a:fld>
             <a:endParaRPr lang="es-ES" noProof="0" dirty="0"/>
           </a:p>
@@ -7598,7 +7631,7 @@
             <a:pPr rtl="0"/>
             <a:fld id="{3A98EE3D-8CD1-4C3F-BD1C-C98C9596463C}" type="slidenum">
               <a:rPr lang="es-ES" noProof="0" smtClean="0"/>
-              <a:t>‹Nº›</a:t>
+              <a:t>‹#›</a:t>
             </a:fld>
             <a:endParaRPr lang="es-ES" noProof="0" dirty="0"/>
           </a:p>
@@ -7652,7 +7685,7 @@
             <a:pPr rtl="0"/>
             <a:fld id="{10CB7135-DC88-46C5-8577-B4652D9D518F}" type="datetime1">
               <a:rPr lang="es-ES" noProof="0" smtClean="0"/>
-              <a:t>05/05/2023</a:t>
+              <a:t>09/05/2023</a:t>
             </a:fld>
             <a:endParaRPr lang="es-ES" noProof="0" dirty="0"/>
           </a:p>
@@ -7696,7 +7729,7 @@
             <a:pPr rtl="0"/>
             <a:fld id="{3A98EE3D-8CD1-4C3F-BD1C-C98C9596463C}" type="slidenum">
               <a:rPr lang="es-ES" noProof="0" smtClean="0"/>
-              <a:t>‹Nº›</a:t>
+              <a:t>‹#›</a:t>
             </a:fld>
             <a:endParaRPr lang="es-ES" noProof="0" dirty="0"/>
           </a:p>
@@ -7911,7 +7944,7 @@
             <a:pPr rtl="0"/>
             <a:fld id="{DB0BDDAF-5FB4-4645-B812-33656A6F2B85}" type="datetime1">
               <a:rPr lang="es-ES" noProof="0" smtClean="0"/>
-              <a:t>05/05/2023</a:t>
+              <a:t>09/05/2023</a:t>
             </a:fld>
             <a:endParaRPr lang="es-ES" noProof="0" dirty="0"/>
           </a:p>
@@ -7956,7 +7989,7 @@
             <a:fld id="{3A98EE3D-8CD1-4C3F-BD1C-C98C9596463C}" type="slidenum">
               <a:rPr lang="es-ES" noProof="0" smtClean="0"/>
               <a:pPr rtl="0"/>
-              <a:t>‹Nº›</a:t>
+              <a:t>‹#›</a:t>
             </a:fld>
             <a:endParaRPr lang="es-ES" noProof="0" dirty="0"/>
           </a:p>
@@ -8223,7 +8256,7 @@
             <a:pPr rtl="0"/>
             <a:fld id="{C43182DB-EE2B-4FEC-B9F5-C787A05118D2}" type="datetime1">
               <a:rPr lang="es-ES" noProof="0" smtClean="0"/>
-              <a:t>05/05/2023</a:t>
+              <a:t>09/05/2023</a:t>
             </a:fld>
             <a:endParaRPr lang="es-ES" noProof="0" dirty="0"/>
           </a:p>
@@ -8267,7 +8300,7 @@
             <a:pPr rtl="0"/>
             <a:fld id="{3A98EE3D-8CD1-4C3F-BD1C-C98C9596463C}" type="slidenum">
               <a:rPr lang="es-ES" noProof="0" smtClean="0"/>
-              <a:t>‹Nº›</a:t>
+              <a:t>‹#›</a:t>
             </a:fld>
             <a:endParaRPr lang="es-ES" noProof="0" dirty="0"/>
           </a:p>
@@ -8459,7 +8492,7 @@
             <a:pPr rtl="0"/>
             <a:fld id="{7305C6AA-9D71-4080-8813-13E932244C60}" type="datetime1">
               <a:rPr lang="es-ES" noProof="0" smtClean="0"/>
-              <a:t>05/05/2023</a:t>
+              <a:t>09/05/2023</a:t>
             </a:fld>
             <a:endParaRPr lang="es-ES" noProof="0" dirty="0"/>
           </a:p>
@@ -8553,7 +8586,7 @@
             <a:pPr rtl="0"/>
             <a:fld id="{3A98EE3D-8CD1-4C3F-BD1C-C98C9596463C}" type="slidenum">
               <a:rPr lang="es-ES" noProof="0" smtClean="0"/>
-              <a:t>‹Nº›</a:t>
+              <a:t>‹#›</a:t>
             </a:fld>
             <a:endParaRPr lang="es-ES" noProof="0" dirty="0"/>
           </a:p>
@@ -9189,7 +9222,7 @@
         </p:blipFill>
         <p:spPr>
           <a:xfrm>
-            <a:off x="-1" y="10"/>
+            <a:off x="-154984" y="10"/>
             <a:ext cx="12192001" cy="6857990"/>
           </a:xfrm>
           <a:prstGeom prst="rect">
@@ -9379,7 +9412,7 @@
           </a:effectLst>
           <a:extLst>
             <a:ext uri="{91240B29-F687-4f45-9708-019B960494DF}">
-              <a14:hiddenLine xmlns="" xmlns:a14="http://schemas.microsoft.com/office/drawing/2010/main" xmlns:a16="http://schemas.microsoft.com/office/drawing/2014/main" xmlns:p14="http://schemas.microsoft.com/office/powerpoint/2010/main" w="9525">
+              <a14:hiddenLine xmlns:p14="http://schemas.microsoft.com/office/powerpoint/2010/main" xmlns:a16="http://schemas.microsoft.com/office/drawing/2014/main" xmlns:a14="http://schemas.microsoft.com/office/drawing/2010/main" xmlns="" w="9525">
                 <a:solidFill>
                   <a:srgbClr val="000000"/>
                 </a:solidFill>
@@ -9506,27 +9539,131 @@
         </p:spPr>
         <p:txBody>
           <a:bodyPr rtlCol="0">
-            <a:normAutofit/>
+            <a:normAutofit fontScale="85000" lnSpcReduction="20000"/>
           </a:bodyPr>
           <a:lstStyle/>
           <a:p>
             <a:pPr algn="l" rtl="0"/>
             <a:r>
-              <a:rPr lang="es-ES" sz="2300" dirty="0"/>
-              <a:t>Estudiante:</a:t>
-            </a:r>
-          </a:p>
-          <a:p>
-            <a:pPr algn="l" rtl="0"/>
-            <a:r>
-              <a:rPr lang="es-ES" sz="2300" dirty="0"/>
-              <a:t> </a:t>
-            </a:r>
-            <a:r>
-              <a:rPr lang="en-US" sz="2300" dirty="0"/>
-              <a:t>José Campos Chaves</a:t>
-            </a:r>
-            <a:endParaRPr lang="es-ES" sz="2300" dirty="0"/>
+              <a:rPr lang="es-ES" sz="1700" dirty="0"/>
+              <a:t>Estudiantes:</a:t>
+            </a:r>
+            <a:endParaRPr lang="es-ES" sz="1700" dirty="0">
+              <a:ln>
+                <a:solidFill>
+                  <a:prstClr val="black">
+                    <a:lumMod val="75000"/>
+                    <a:lumOff val="25000"/>
+                    <a:alpha val="10000"/>
+                  </a:prstClr>
+                </a:solidFill>
+              </a:ln>
+              <a:effectLst>
+                <a:outerShdw blurRad="9525" dist="25400" dir="14640000" algn="tl" rotWithShape="0">
+                  <a:prstClr val="black">
+                    <a:alpha val="30000"/>
+                  </a:prstClr>
+                </a:outerShdw>
+              </a:effectLst>
+            </a:endParaRPr>
+          </a:p>
+          <a:p>
+            <a:pPr algn="l"/>
+            <a:r>
+              <a:rPr lang="es-ES" sz="1700" dirty="0"/>
+              <a:t> </a:t>
+            </a:r>
+            <a:r>
+              <a:rPr lang="en-US" sz="1700" dirty="0"/>
+              <a:t>José Campos </a:t>
+            </a:r>
+            <a:r>
+              <a:rPr lang="en-US" sz="1800" dirty="0"/>
+              <a:t>Chaves</a:t>
+            </a:r>
+            <a:endParaRPr lang="en-US" sz="1800" dirty="0">
+              <a:ln>
+                <a:solidFill>
+                  <a:prstClr val="black">
+                    <a:lumMod val="75000"/>
+                    <a:lumOff val="25000"/>
+                    <a:alpha val="10000"/>
+                  </a:prstClr>
+                </a:solidFill>
+              </a:ln>
+              <a:effectLst>
+                <a:outerShdw blurRad="9525" dist="25400" dir="14640000" algn="tl" rotWithShape="0">
+                  <a:prstClr val="black">
+                    <a:alpha val="30000"/>
+                  </a:prstClr>
+                </a:outerShdw>
+              </a:effectLst>
+            </a:endParaRPr>
+          </a:p>
+          <a:p>
+            <a:pPr algn="l"/>
+            <a:r>
+              <a:rPr lang="en-US" sz="1700" dirty="0">
+                <a:ln>
+                  <a:solidFill>
+                    <a:prstClr val="black">
+                      <a:lumMod val="75000"/>
+                      <a:lumOff val="25000"/>
+                      <a:alpha val="10000"/>
+                    </a:prstClr>
+                  </a:solidFill>
+                </a:ln>
+                <a:effectLst>
+                  <a:outerShdw blurRad="9525" dist="25400" dir="14640000" algn="tl" rotWithShape="0">
+                    <a:prstClr val="black">
+                      <a:alpha val="30000"/>
+                    </a:prstClr>
+                  </a:outerShdw>
+                </a:effectLst>
+              </a:rPr>
+              <a:t>Javier Bolaños Ramírez</a:t>
+            </a:r>
+            <a:endParaRPr lang="en-US" sz="1700" dirty="0">
+              <a:ln>
+                <a:solidFill>
+                  <a:prstClr val="black">
+                    <a:lumMod val="75000"/>
+                    <a:lumOff val="25000"/>
+                    <a:alpha val="10000"/>
+                  </a:prstClr>
+                </a:solidFill>
+              </a:ln>
+              <a:effectLst>
+                <a:outerShdw blurRad="9525" dist="25400" dir="14640000" algn="tl" rotWithShape="0">
+                  <a:prstClr val="black">
+                    <a:alpha val="30000"/>
+                  </a:prstClr>
+                </a:outerShdw>
+              </a:effectLst>
+              <a:ea typeface="+mn-lt"/>
+              <a:cs typeface="+mn-lt"/>
+            </a:endParaRPr>
+          </a:p>
+          <a:p>
+            <a:pPr algn="l"/>
+            <a:endParaRPr lang="en-US" dirty="0">
+              <a:ln>
+                <a:solidFill>
+                  <a:prstClr val="black">
+                    <a:lumMod val="75000"/>
+                    <a:lumOff val="25000"/>
+                    <a:alpha val="10000"/>
+                  </a:prstClr>
+                </a:solidFill>
+              </a:ln>
+              <a:effectLst>
+                <a:outerShdw blurRad="9525" dist="25400" dir="14640000" algn="tl" rotWithShape="0">
+                  <a:prstClr val="black">
+                    <a:alpha val="30000"/>
+                  </a:prstClr>
+                </a:outerShdw>
+              </a:effectLst>
+            </a:endParaRPr>
           </a:p>
         </p:txBody>
       </p:sp>
@@ -14103,12 +14240,12 @@
 </file>
 
 <file path=customXml/item1.xml><?xml version="1.0" encoding="utf-8"?>
-<?mso-contentType ?>
-<FormTemplates xmlns="http://schemas.microsoft.com/sharepoint/v3/contenttype/forms">
-  <Display>DocumentLibraryForm</Display>
-  <Edit>DocumentLibraryForm</Edit>
-  <New>DocumentLibraryForm</New>
-</FormTemplates>
+<p:properties xmlns:p="http://schemas.microsoft.com/office/2006/metadata/properties" xmlns:xsi="http://www.w3.org/2001/XMLSchema-instance" xmlns:pc="http://schemas.microsoft.com/office/infopath/2007/PartnerControls">
+  <documentManagement>
+    <Status xmlns="71af3243-3dd4-4a8d-8c0d-dd76da1f02a5">Not started</Status>
+    <MediaServiceKeyPoints xmlns="71af3243-3dd4-4a8d-8c0d-dd76da1f02a5" xsi:nil="true"/>
+  </documentManagement>
+</p:properties>
 </file>
 
 <file path=customXml/item2.xml><?xml version="1.0" encoding="utf-8"?>
@@ -14333,18 +14470,20 @@
 </file>
 
 <file path=customXml/item3.xml><?xml version="1.0" encoding="utf-8"?>
-<p:properties xmlns:p="http://schemas.microsoft.com/office/2006/metadata/properties" xmlns:xsi="http://www.w3.org/2001/XMLSchema-instance" xmlns:pc="http://schemas.microsoft.com/office/infopath/2007/PartnerControls">
-  <documentManagement>
-    <Status xmlns="71af3243-3dd4-4a8d-8c0d-dd76da1f02a5">Not started</Status>
-    <MediaServiceKeyPoints xmlns="71af3243-3dd4-4a8d-8c0d-dd76da1f02a5" xsi:nil="true"/>
-  </documentManagement>
-</p:properties>
+<?mso-contentType ?>
+<FormTemplates xmlns="http://schemas.microsoft.com/sharepoint/v3/contenttype/forms">
+  <Display>DocumentLibraryForm</Display>
+  <Edit>DocumentLibraryForm</Edit>
+  <New>DocumentLibraryForm</New>
+</FormTemplates>
 </file>
 
 <file path=customXml/itemProps1.xml><?xml version="1.0" encoding="utf-8"?>
-<ds:datastoreItem xmlns:ds="http://schemas.openxmlformats.org/officeDocument/2006/customXml" ds:itemID="{64B270AB-C138-415C-897E-3C24487DECF1}">
+<ds:datastoreItem xmlns:ds="http://schemas.openxmlformats.org/officeDocument/2006/customXml" ds:itemID="{2C4C00F4-06E9-43E3-AD97-88A857CEFA82}">
   <ds:schemaRefs>
-    <ds:schemaRef ds:uri="http://schemas.microsoft.com/sharepoint/v3/contenttype/forms"/>
+    <ds:schemaRef ds:uri="http://schemas.microsoft.com/office/2006/metadata/properties"/>
+    <ds:schemaRef ds:uri="http://schemas.microsoft.com/office/infopath/2007/PartnerControls"/>
+    <ds:schemaRef ds:uri="71af3243-3dd4-4a8d-8c0d-dd76da1f02a5"/>
   </ds:schemaRefs>
 </ds:datastoreItem>
 </file>
@@ -14369,11 +14508,9 @@
 </file>
 
 <file path=customXml/itemProps3.xml><?xml version="1.0" encoding="utf-8"?>
-<ds:datastoreItem xmlns:ds="http://schemas.openxmlformats.org/officeDocument/2006/customXml" ds:itemID="{2C4C00F4-06E9-43E3-AD97-88A857CEFA82}">
+<ds:datastoreItem xmlns:ds="http://schemas.openxmlformats.org/officeDocument/2006/customXml" ds:itemID="{64B270AB-C138-415C-897E-3C24487DECF1}">
   <ds:schemaRefs>
-    <ds:schemaRef ds:uri="http://schemas.microsoft.com/office/2006/metadata/properties"/>
-    <ds:schemaRef ds:uri="http://schemas.microsoft.com/office/infopath/2007/PartnerControls"/>
-    <ds:schemaRef ds:uri="71af3243-3dd4-4a8d-8c0d-dd76da1f02a5"/>
+    <ds:schemaRef ds:uri="http://schemas.microsoft.com/sharepoint/v3/contenttype/forms"/>
   </ds:schemaRefs>
 </ds:datastoreItem>
 </file>